--- a/tugas uas_muhammad rayza jamal_221011401751_05tplm009.pptx
+++ b/tugas uas_muhammad rayza jamal_221011401751_05tplm009.pptx
@@ -12,34 +12,29 @@
     <p:sldId id="260" r:id="rId10"/>
     <p:sldId id="261" r:id="rId11"/>
     <p:sldId id="262" r:id="rId12"/>
-    <p:sldId id="263" r:id="rId13"/>
   </p:sldIdLst>
   <p:sldSz cx="18288000" cy="10287000"/>
   <p:notesSz cx="6858000" cy="9144000"/>
   <p:embeddedFontLst>
     <p:embeddedFont>
       <p:font typeface="Sarabun Ultra-Bold" charset="1" panose="00000900000000000000"/>
+      <p:regular r:id="rId13"/>
+    </p:embeddedFont>
+    <p:embeddedFont>
+      <p:font typeface="Sarabun Light" charset="1" panose="00000400000000000000"/>
       <p:regular r:id="rId14"/>
     </p:embeddedFont>
     <p:embeddedFont>
-      <p:font typeface="Sarabun Light" charset="1" panose="00000400000000000000"/>
+      <p:font typeface="Sarabun Bold" charset="1" panose="00000800000000000000"/>
       <p:regular r:id="rId15"/>
     </p:embeddedFont>
     <p:embeddedFont>
-      <p:font typeface="Open Sans Bold" charset="1" panose="020B0806030504020204"/>
+      <p:font typeface="Open Sans" charset="1" panose="020B0606030504020204"/>
       <p:regular r:id="rId16"/>
     </p:embeddedFont>
     <p:embeddedFont>
-      <p:font typeface="Open Sans" charset="1" panose="020B0606030504020204"/>
+      <p:font typeface="Antic Bold" charset="1" panose="00000000000000000000"/>
       <p:regular r:id="rId17"/>
-    </p:embeddedFont>
-    <p:embeddedFont>
-      <p:font typeface="Sarabun Bold" charset="1" panose="00000800000000000000"/>
-      <p:regular r:id="rId18"/>
-    </p:embeddedFont>
-    <p:embeddedFont>
-      <p:font typeface="Antic Bold" charset="1" panose="00000000000000000000"/>
-      <p:regular r:id="rId19"/>
     </p:embeddedFont>
   </p:embeddedFontLst>
   <p:defaultTextStyle>
@@ -3561,660 +3556,6 @@
 </file>
 
 <file path=ppt/slides/slide2.xml><?xml version="1.0" encoding="utf-8"?>
-<p:sld xmlns:p="http://schemas.openxmlformats.org/presentationml/2006/main" xmlns:a="http://schemas.openxmlformats.org/drawingml/2006/main" xmlns:r="http://schemas.openxmlformats.org/officeDocument/2006/relationships">
-  <p:cSld>
-    <p:spTree>
-      <p:nvGrpSpPr>
-        <p:cNvPr id="1" name=""/>
-        <p:cNvGrpSpPr/>
-        <p:nvPr/>
-      </p:nvGrpSpPr>
-      <p:grpSpPr>
-        <a:xfrm>
-          <a:off x="0" y="0"/>
-          <a:ext cx="0" cy="0"/>
-          <a:chOff x="0" y="0"/>
-          <a:chExt cx="0" cy="0"/>
-        </a:xfrm>
-      </p:grpSpPr>
-      <p:sp>
-        <p:nvSpPr>
-          <p:cNvPr name="Freeform 2" id="2"/>
-          <p:cNvSpPr/>
-          <p:nvPr/>
-        </p:nvSpPr>
-        <p:spPr>
-          <a:xfrm flipH="false" flipV="false" rot="0">
-            <a:off x="0" y="0"/>
-            <a:ext cx="18288000" cy="10287000"/>
-          </a:xfrm>
-          <a:custGeom>
-            <a:avLst/>
-            <a:gdLst/>
-            <a:ahLst/>
-            <a:cxnLst/>
-            <a:rect r="r" b="b" t="t" l="l"/>
-            <a:pathLst>
-              <a:path h="10287000" w="18288000">
-                <a:moveTo>
-                  <a:pt x="0" y="0"/>
-                </a:moveTo>
-                <a:lnTo>
-                  <a:pt x="18288000" y="0"/>
-                </a:lnTo>
-                <a:lnTo>
-                  <a:pt x="18288000" y="10287000"/>
-                </a:lnTo>
-                <a:lnTo>
-                  <a:pt x="0" y="10287000"/>
-                </a:lnTo>
-                <a:lnTo>
-                  <a:pt x="0" y="0"/>
-                </a:lnTo>
-                <a:close/>
-              </a:path>
-            </a:pathLst>
-          </a:custGeom>
-          <a:blipFill>
-            <a:blip r:embed="rId2"/>
-            <a:stretch>
-              <a:fillRect l="0" t="-13370" r="0" b="-13370"/>
-            </a:stretch>
-          </a:blipFill>
-        </p:spPr>
-      </p:sp>
-      <p:grpSp>
-        <p:nvGrpSpPr>
-          <p:cNvPr name="Group 3" id="3"/>
-          <p:cNvGrpSpPr/>
-          <p:nvPr/>
-        </p:nvGrpSpPr>
-        <p:grpSpPr>
-          <a:xfrm rot="0">
-            <a:off x="16045863" y="-190066"/>
-            <a:ext cx="3086100" cy="10746712"/>
-            <a:chOff x="0" y="0"/>
-            <a:chExt cx="812800" cy="2830410"/>
-          </a:xfrm>
-        </p:grpSpPr>
-        <p:sp>
-          <p:nvSpPr>
-            <p:cNvPr name="Freeform 4" id="4"/>
-            <p:cNvSpPr/>
-            <p:nvPr/>
-          </p:nvSpPr>
-          <p:spPr>
-            <a:xfrm flipH="false" flipV="false" rot="0">
-              <a:off x="0" y="0"/>
-              <a:ext cx="812800" cy="2830410"/>
-            </a:xfrm>
-            <a:custGeom>
-              <a:avLst/>
-              <a:gdLst/>
-              <a:ahLst/>
-              <a:cxnLst/>
-              <a:rect r="r" b="b" t="t" l="l"/>
-              <a:pathLst>
-                <a:path h="2830410" w="812800">
-                  <a:moveTo>
-                    <a:pt x="0" y="0"/>
-                  </a:moveTo>
-                  <a:lnTo>
-                    <a:pt x="812800" y="0"/>
-                  </a:lnTo>
-                  <a:lnTo>
-                    <a:pt x="812800" y="2830410"/>
-                  </a:lnTo>
-                  <a:lnTo>
-                    <a:pt x="0" y="2830410"/>
-                  </a:lnTo>
-                  <a:close/>
-                </a:path>
-              </a:pathLst>
-            </a:custGeom>
-            <a:solidFill>
-              <a:srgbClr val="134B70"/>
-            </a:solidFill>
-          </p:spPr>
-        </p:sp>
-        <p:sp>
-          <p:nvSpPr>
-            <p:cNvPr name="TextBox 5" id="5"/>
-            <p:cNvSpPr txBox="true"/>
-            <p:nvPr/>
-          </p:nvSpPr>
-          <p:spPr>
-            <a:xfrm>
-              <a:off x="0" y="-47625"/>
-              <a:ext cx="812800" cy="2878035"/>
-            </a:xfrm>
-            <a:prstGeom prst="rect">
-              <a:avLst/>
-            </a:prstGeom>
-          </p:spPr>
-          <p:txBody>
-            <a:bodyPr anchor="ctr" rtlCol="false" tIns="50800" lIns="50800" bIns="50800" rIns="50800"/>
-            <a:lstStyle/>
-            <a:p>
-              <a:pPr algn="ctr">
-                <a:lnSpc>
-                  <a:spcPts val="2659"/>
-                </a:lnSpc>
-              </a:pPr>
-            </a:p>
-          </p:txBody>
-        </p:sp>
-      </p:grpSp>
-      <p:grpSp>
-        <p:nvGrpSpPr>
-          <p:cNvPr name="Group 6" id="6"/>
-          <p:cNvGrpSpPr/>
-          <p:nvPr/>
-        </p:nvGrpSpPr>
-        <p:grpSpPr>
-          <a:xfrm rot="0">
-            <a:off x="12342543" y="1028700"/>
-            <a:ext cx="5246370" cy="7982303"/>
-            <a:chOff x="0" y="0"/>
-            <a:chExt cx="812800" cy="1236668"/>
-          </a:xfrm>
-        </p:grpSpPr>
-        <p:sp>
-          <p:nvSpPr>
-            <p:cNvPr name="Freeform 7" id="7"/>
-            <p:cNvSpPr/>
-            <p:nvPr/>
-          </p:nvSpPr>
-          <p:spPr>
-            <a:xfrm flipH="false" flipV="false" rot="0">
-              <a:off x="0" y="0"/>
-              <a:ext cx="812800" cy="1236668"/>
-            </a:xfrm>
-            <a:custGeom>
-              <a:avLst/>
-              <a:gdLst/>
-              <a:ahLst/>
-              <a:cxnLst/>
-              <a:rect r="r" b="b" t="t" l="l"/>
-              <a:pathLst>
-                <a:path h="1236668" w="812800">
-                  <a:moveTo>
-                    <a:pt x="0" y="0"/>
-                  </a:moveTo>
-                  <a:lnTo>
-                    <a:pt x="812800" y="0"/>
-                  </a:lnTo>
-                  <a:lnTo>
-                    <a:pt x="812800" y="1236668"/>
-                  </a:lnTo>
-                  <a:lnTo>
-                    <a:pt x="0" y="1236668"/>
-                  </a:lnTo>
-                  <a:close/>
-                </a:path>
-              </a:pathLst>
-            </a:custGeom>
-            <a:blipFill>
-              <a:blip r:embed="rId3"/>
-              <a:stretch>
-                <a:fillRect l="-64183" t="0" r="-64183" b="0"/>
-              </a:stretch>
-            </a:blipFill>
-          </p:spPr>
-        </p:sp>
-      </p:grpSp>
-      <p:grpSp>
-        <p:nvGrpSpPr>
-          <p:cNvPr name="Group 8" id="8"/>
-          <p:cNvGrpSpPr/>
-          <p:nvPr/>
-        </p:nvGrpSpPr>
-        <p:grpSpPr>
-          <a:xfrm rot="-2788628">
-            <a:off x="-1003328" y="-1324302"/>
-            <a:ext cx="3086100" cy="3086100"/>
-            <a:chOff x="0" y="0"/>
-            <a:chExt cx="812800" cy="812800"/>
-          </a:xfrm>
-        </p:grpSpPr>
-        <p:sp>
-          <p:nvSpPr>
-            <p:cNvPr name="Freeform 9" id="9"/>
-            <p:cNvSpPr/>
-            <p:nvPr/>
-          </p:nvSpPr>
-          <p:spPr>
-            <a:xfrm flipH="false" flipV="false" rot="0">
-              <a:off x="0" y="0"/>
-              <a:ext cx="812800" cy="812800"/>
-            </a:xfrm>
-            <a:custGeom>
-              <a:avLst/>
-              <a:gdLst/>
-              <a:ahLst/>
-              <a:cxnLst/>
-              <a:rect r="r" b="b" t="t" l="l"/>
-              <a:pathLst>
-                <a:path h="812800" w="812800">
-                  <a:moveTo>
-                    <a:pt x="0" y="0"/>
-                  </a:moveTo>
-                  <a:lnTo>
-                    <a:pt x="812800" y="0"/>
-                  </a:lnTo>
-                  <a:lnTo>
-                    <a:pt x="812800" y="812800"/>
-                  </a:lnTo>
-                  <a:lnTo>
-                    <a:pt x="0" y="812800"/>
-                  </a:lnTo>
-                  <a:close/>
-                </a:path>
-              </a:pathLst>
-            </a:custGeom>
-            <a:solidFill>
-              <a:srgbClr val="134B70"/>
-            </a:solidFill>
-          </p:spPr>
-        </p:sp>
-        <p:sp>
-          <p:nvSpPr>
-            <p:cNvPr name="TextBox 10" id="10"/>
-            <p:cNvSpPr txBox="true"/>
-            <p:nvPr/>
-          </p:nvSpPr>
-          <p:spPr>
-            <a:xfrm>
-              <a:off x="0" y="-47625"/>
-              <a:ext cx="812800" cy="860425"/>
-            </a:xfrm>
-            <a:prstGeom prst="rect">
-              <a:avLst/>
-            </a:prstGeom>
-          </p:spPr>
-          <p:txBody>
-            <a:bodyPr anchor="ctr" rtlCol="false" tIns="50800" lIns="50800" bIns="50800" rIns="50800"/>
-            <a:lstStyle/>
-            <a:p>
-              <a:pPr algn="ctr">
-                <a:lnSpc>
-                  <a:spcPts val="2659"/>
-                </a:lnSpc>
-              </a:pPr>
-            </a:p>
-          </p:txBody>
-        </p:sp>
-      </p:grpSp>
-      <p:grpSp>
-        <p:nvGrpSpPr>
-          <p:cNvPr name="Group 11" id="11"/>
-          <p:cNvGrpSpPr/>
-          <p:nvPr/>
-        </p:nvGrpSpPr>
-        <p:grpSpPr>
-          <a:xfrm rot="-2788628">
-            <a:off x="-514350" y="-1543050"/>
-            <a:ext cx="3086100" cy="3086100"/>
-            <a:chOff x="0" y="0"/>
-            <a:chExt cx="812800" cy="812800"/>
-          </a:xfrm>
-        </p:grpSpPr>
-        <p:sp>
-          <p:nvSpPr>
-            <p:cNvPr name="Freeform 12" id="12"/>
-            <p:cNvSpPr/>
-            <p:nvPr/>
-          </p:nvSpPr>
-          <p:spPr>
-            <a:xfrm flipH="false" flipV="false" rot="0">
-              <a:off x="0" y="0"/>
-              <a:ext cx="812800" cy="812800"/>
-            </a:xfrm>
-            <a:custGeom>
-              <a:avLst/>
-              <a:gdLst/>
-              <a:ahLst/>
-              <a:cxnLst/>
-              <a:rect r="r" b="b" t="t" l="l"/>
-              <a:pathLst>
-                <a:path h="812800" w="812800">
-                  <a:moveTo>
-                    <a:pt x="0" y="0"/>
-                  </a:moveTo>
-                  <a:lnTo>
-                    <a:pt x="812800" y="0"/>
-                  </a:lnTo>
-                  <a:lnTo>
-                    <a:pt x="812800" y="812800"/>
-                  </a:lnTo>
-                  <a:lnTo>
-                    <a:pt x="0" y="812800"/>
-                  </a:lnTo>
-                  <a:close/>
-                </a:path>
-              </a:pathLst>
-            </a:custGeom>
-            <a:solidFill>
-              <a:srgbClr val="508C9B"/>
-            </a:solidFill>
-          </p:spPr>
-        </p:sp>
-        <p:sp>
-          <p:nvSpPr>
-            <p:cNvPr name="TextBox 13" id="13"/>
-            <p:cNvSpPr txBox="true"/>
-            <p:nvPr/>
-          </p:nvSpPr>
-          <p:spPr>
-            <a:xfrm>
-              <a:off x="0" y="-47625"/>
-              <a:ext cx="812800" cy="860425"/>
-            </a:xfrm>
-            <a:prstGeom prst="rect">
-              <a:avLst/>
-            </a:prstGeom>
-          </p:spPr>
-          <p:txBody>
-            <a:bodyPr anchor="ctr" rtlCol="false" tIns="50800" lIns="50800" bIns="50800" rIns="50800"/>
-            <a:lstStyle/>
-            <a:p>
-              <a:pPr algn="ctr">
-                <a:lnSpc>
-                  <a:spcPts val="2659"/>
-                </a:lnSpc>
-              </a:pPr>
-            </a:p>
-          </p:txBody>
-        </p:sp>
-      </p:grpSp>
-      <p:sp>
-        <p:nvSpPr>
-          <p:cNvPr name="TextBox 14" id="14"/>
-          <p:cNvSpPr txBox="true"/>
-          <p:nvPr/>
-        </p:nvSpPr>
-        <p:spPr>
-          <a:xfrm rot="0">
-            <a:off x="2888483" y="904875"/>
-            <a:ext cx="5522491" cy="2228289"/>
-          </a:xfrm>
-          <a:prstGeom prst="rect">
-            <a:avLst/>
-          </a:prstGeom>
-        </p:spPr>
-        <p:txBody>
-          <a:bodyPr anchor="t" rtlCol="false" tIns="0" lIns="0" bIns="0" rIns="0">
-            <a:spAutoFit/>
-          </a:bodyPr>
-          <a:lstStyle/>
-          <a:p>
-            <a:pPr algn="ctr">
-              <a:lnSpc>
-                <a:spcPts val="8959"/>
-              </a:lnSpc>
-              <a:spcBef>
-                <a:spcPct val="0"/>
-              </a:spcBef>
-            </a:pPr>
-            <a:r>
-              <a:rPr lang="en-US" b="true" sz="6399">
-                <a:solidFill>
-                  <a:srgbClr val="134B70"/>
-                </a:solidFill>
-                <a:latin typeface="Sarabun Ultra-Bold"/>
-                <a:ea typeface="Sarabun Ultra-Bold"/>
-                <a:cs typeface="Sarabun Ultra-Bold"/>
-                <a:sym typeface="Sarabun Ultra-Bold"/>
-              </a:rPr>
-              <a:t>PENDAHULUAN</a:t>
-            </a:r>
-          </a:p>
-        </p:txBody>
-      </p:sp>
-      <p:sp>
-        <p:nvSpPr>
-          <p:cNvPr name="TextBox 15" id="15"/>
-          <p:cNvSpPr txBox="true"/>
-          <p:nvPr/>
-        </p:nvSpPr>
-        <p:spPr>
-          <a:xfrm rot="0">
-            <a:off x="1028700" y="2499413"/>
-            <a:ext cx="9527309" cy="6758887"/>
-          </a:xfrm>
-          <a:prstGeom prst="rect">
-            <a:avLst/>
-          </a:prstGeom>
-        </p:spPr>
-        <p:txBody>
-          <a:bodyPr anchor="t" rtlCol="false" tIns="0" lIns="0" bIns="0" rIns="0">
-            <a:spAutoFit/>
-          </a:bodyPr>
-          <a:lstStyle/>
-          <a:p>
-            <a:pPr algn="l">
-              <a:lnSpc>
-                <a:spcPts val="4466"/>
-              </a:lnSpc>
-            </a:pPr>
-            <a:r>
-              <a:rPr lang="en-US" sz="2627" b="true">
-                <a:solidFill>
-                  <a:srgbClr val="000000"/>
-                </a:solidFill>
-                <a:latin typeface="Open Sans Bold"/>
-                <a:ea typeface="Open Sans Bold"/>
-                <a:cs typeface="Open Sans Bold"/>
-                <a:sym typeface="Open Sans Bold"/>
-              </a:rPr>
-              <a:t>01 </a:t>
-            </a:r>
-            <a:r>
-              <a:rPr lang="en-US" sz="2627">
-                <a:solidFill>
-                  <a:srgbClr val="000000"/>
-                </a:solidFill>
-                <a:latin typeface="Open Sans"/>
-                <a:ea typeface="Open Sans"/>
-                <a:cs typeface="Open Sans"/>
-                <a:sym typeface="Open Sans"/>
-              </a:rPr>
-              <a:t>Mahasiswa sering menghadapi berbagai tekanan akademik dan non-akademik.</a:t>
-            </a:r>
-          </a:p>
-          <a:p>
-            <a:pPr algn="l">
-              <a:lnSpc>
-                <a:spcPts val="4466"/>
-              </a:lnSpc>
-            </a:pPr>
-            <a:r>
-              <a:rPr lang="en-US" sz="2627" b="true">
-                <a:solidFill>
-                  <a:srgbClr val="000000"/>
-                </a:solidFill>
-                <a:latin typeface="Open Sans Bold"/>
-                <a:ea typeface="Open Sans Bold"/>
-                <a:cs typeface="Open Sans Bold"/>
-                <a:sym typeface="Open Sans Bold"/>
-              </a:rPr>
-              <a:t>02 </a:t>
-            </a:r>
-            <a:r>
-              <a:rPr lang="en-US" sz="2627">
-                <a:solidFill>
-                  <a:srgbClr val="000000"/>
-                </a:solidFill>
-                <a:latin typeface="Open Sans"/>
-                <a:ea typeface="Open Sans"/>
-                <a:cs typeface="Open Sans"/>
-                <a:sym typeface="Open Sans"/>
-              </a:rPr>
-              <a:t> Tingkat stres dapat dipengaruhi oleh:</a:t>
-            </a:r>
-          </a:p>
-          <a:p>
-            <a:pPr algn="l" marL="567215" indent="-283608" lvl="1">
-              <a:lnSpc>
-                <a:spcPts val="4466"/>
-              </a:lnSpc>
-              <a:buFont typeface="Arial"/>
-              <a:buChar char="•"/>
-            </a:pPr>
-            <a:r>
-              <a:rPr lang="en-US" sz="2627">
-                <a:solidFill>
-                  <a:srgbClr val="000000"/>
-                </a:solidFill>
-                <a:latin typeface="Open Sans"/>
-                <a:ea typeface="Open Sans"/>
-                <a:cs typeface="Open Sans"/>
-                <a:sym typeface="Open Sans"/>
-              </a:rPr>
-              <a:t>Jumlah tugas yang harus diselesaikan.</a:t>
-            </a:r>
-          </a:p>
-          <a:p>
-            <a:pPr algn="l" marL="567215" indent="-283608" lvl="1">
-              <a:lnSpc>
-                <a:spcPts val="4466"/>
-              </a:lnSpc>
-              <a:buFont typeface="Arial"/>
-              <a:buChar char="•"/>
-            </a:pPr>
-            <a:r>
-              <a:rPr lang="en-US" sz="2627">
-                <a:solidFill>
-                  <a:srgbClr val="000000"/>
-                </a:solidFill>
-                <a:latin typeface="Open Sans"/>
-                <a:ea typeface="Open Sans"/>
-                <a:cs typeface="Open Sans"/>
-                <a:sym typeface="Open Sans"/>
-              </a:rPr>
-              <a:t>Lama belajar per hari.</a:t>
-            </a:r>
-          </a:p>
-          <a:p>
-            <a:pPr algn="l" marL="567215" indent="-283608" lvl="1">
-              <a:lnSpc>
-                <a:spcPts val="4466"/>
-              </a:lnSpc>
-              <a:buFont typeface="Arial"/>
-              <a:buChar char="•"/>
-            </a:pPr>
-            <a:r>
-              <a:rPr lang="en-US" sz="2627">
-                <a:solidFill>
-                  <a:srgbClr val="000000"/>
-                </a:solidFill>
-                <a:latin typeface="Open Sans"/>
-                <a:ea typeface="Open Sans"/>
-                <a:cs typeface="Open Sans"/>
-                <a:sym typeface="Open Sans"/>
-              </a:rPr>
-              <a:t>Durasi waktu tidur.</a:t>
-            </a:r>
-          </a:p>
-          <a:p>
-            <a:pPr algn="l" marL="567215" indent="-283608" lvl="1">
-              <a:lnSpc>
-                <a:spcPts val="4466"/>
-              </a:lnSpc>
-              <a:buFont typeface="Arial"/>
-              <a:buChar char="•"/>
-            </a:pPr>
-            <a:r>
-              <a:rPr lang="en-US" sz="2627">
-                <a:solidFill>
-                  <a:srgbClr val="000000"/>
-                </a:solidFill>
-                <a:latin typeface="Open Sans"/>
-                <a:ea typeface="Open Sans"/>
-                <a:cs typeface="Open Sans"/>
-                <a:sym typeface="Open Sans"/>
-              </a:rPr>
-              <a:t>Aktivitas relaksasi.</a:t>
-            </a:r>
-          </a:p>
-          <a:p>
-            <a:pPr algn="l">
-              <a:lnSpc>
-                <a:spcPts val="4466"/>
-              </a:lnSpc>
-            </a:pPr>
-            <a:r>
-              <a:rPr lang="en-US" sz="2627" b="true">
-                <a:solidFill>
-                  <a:srgbClr val="000000"/>
-                </a:solidFill>
-                <a:latin typeface="Open Sans Bold"/>
-                <a:ea typeface="Open Sans Bold"/>
-                <a:cs typeface="Open Sans Bold"/>
-                <a:sym typeface="Open Sans Bold"/>
-              </a:rPr>
-              <a:t>03 </a:t>
-            </a:r>
-            <a:r>
-              <a:rPr lang="en-US" sz="2627">
-                <a:solidFill>
-                  <a:srgbClr val="000000"/>
-                </a:solidFill>
-                <a:latin typeface="Open Sans"/>
-                <a:ea typeface="Open Sans"/>
-                <a:cs typeface="Open Sans"/>
-                <a:sym typeface="Open Sans"/>
-              </a:rPr>
-              <a:t>Solusi :</a:t>
-            </a:r>
-          </a:p>
-          <a:p>
-            <a:pPr algn="l">
-              <a:lnSpc>
-                <a:spcPts val="4466"/>
-              </a:lnSpc>
-            </a:pPr>
-            <a:r>
-              <a:rPr lang="en-US" sz="2627">
-                <a:solidFill>
-                  <a:srgbClr val="000000"/>
-                </a:solidFill>
-                <a:latin typeface="Open Sans"/>
-                <a:ea typeface="Open Sans"/>
-                <a:cs typeface="Open Sans"/>
-                <a:sym typeface="Open Sans"/>
-              </a:rPr>
-              <a:t>Membuatberbasis Python untuk membantu mengidentifikasi tingkat stres. sistem prediksi</a:t>
-            </a:r>
-          </a:p>
-          <a:p>
-            <a:pPr algn="l">
-              <a:lnSpc>
-                <a:spcPts val="4466"/>
-              </a:lnSpc>
-            </a:pPr>
-          </a:p>
-          <a:p>
-            <a:pPr algn="l">
-              <a:lnSpc>
-                <a:spcPts val="4466"/>
-              </a:lnSpc>
-            </a:pPr>
-          </a:p>
-        </p:txBody>
-      </p:sp>
-    </p:spTree>
-  </p:cSld>
-  <p:clrMapOvr>
-    <a:masterClrMapping/>
-  </p:clrMapOvr>
-  <p:transition spd="fast">
-    <p:fade/>
-  </p:transition>
-</p:sld>
-</file>
-
-<file path=ppt/slides/slide3.xml><?xml version="1.0" encoding="utf-8"?>
 <p:sld xmlns:p="http://schemas.openxmlformats.org/presentationml/2006/main" xmlns:a="http://schemas.openxmlformats.org/drawingml/2006/main" xmlns:r="http://schemas.openxmlformats.org/officeDocument/2006/relationships">
   <p:cSld>
     <p:spTree>
@@ -4926,7 +4267,7 @@
 </p:sld>
 </file>
 
-<file path=ppt/slides/slide4.xml><?xml version="1.0" encoding="utf-8"?>
+<file path=ppt/slides/slide3.xml><?xml version="1.0" encoding="utf-8"?>
 <p:sld xmlns:p="http://schemas.openxmlformats.org/presentationml/2006/main" xmlns:a="http://schemas.openxmlformats.org/drawingml/2006/main" xmlns:r="http://schemas.openxmlformats.org/officeDocument/2006/relationships">
   <p:cSld>
     <p:spTree>
@@ -5956,7 +5297,7 @@
 </p:sld>
 </file>
 
-<file path=ppt/slides/slide5.xml><?xml version="1.0" encoding="utf-8"?>
+<file path=ppt/slides/slide4.xml><?xml version="1.0" encoding="utf-8"?>
 <p:sld xmlns:p="http://schemas.openxmlformats.org/presentationml/2006/main" xmlns:a="http://schemas.openxmlformats.org/drawingml/2006/main" xmlns:r="http://schemas.openxmlformats.org/officeDocument/2006/relationships">
   <p:cSld>
     <p:spTree>
@@ -7435,7 +6776,7 @@
 </p:sld>
 </file>
 
-<file path=ppt/slides/slide6.xml><?xml version="1.0" encoding="utf-8"?>
+<file path=ppt/slides/slide5.xml><?xml version="1.0" encoding="utf-8"?>
 <p:sld xmlns:p="http://schemas.openxmlformats.org/presentationml/2006/main" xmlns:a="http://schemas.openxmlformats.org/drawingml/2006/main" xmlns:r="http://schemas.openxmlformats.org/officeDocument/2006/relationships">
   <p:cSld>
     <p:spTree>
@@ -7966,7 +7307,7 @@
 </p:sld>
 </file>
 
-<file path=ppt/slides/slide7.xml><?xml version="1.0" encoding="utf-8"?>
+<file path=ppt/slides/slide6.xml><?xml version="1.0" encoding="utf-8"?>
 <p:sld xmlns:p="http://schemas.openxmlformats.org/presentationml/2006/main" xmlns:a="http://schemas.openxmlformats.org/drawingml/2006/main" xmlns:r="http://schemas.openxmlformats.org/officeDocument/2006/relationships">
   <p:cSld>
     <p:spTree>
@@ -9247,7 +8588,7 @@
 </p:sld>
 </file>
 
-<file path=ppt/slides/slide8.xml><?xml version="1.0" encoding="utf-8"?>
+<file path=ppt/slides/slide7.xml><?xml version="1.0" encoding="utf-8"?>
 <p:sld xmlns:p="http://schemas.openxmlformats.org/presentationml/2006/main" xmlns:a="http://schemas.openxmlformats.org/drawingml/2006/main" xmlns:r="http://schemas.openxmlformats.org/officeDocument/2006/relationships">
   <p:cSld>
     <p:spTree>
